--- a/Trabalho de Domótica.pptx
+++ b/Trabalho de Domótica.pptx
@@ -10,7 +10,9 @@
     <p:sldId id="258" r:id="rId4"/>
     <p:sldId id="259" r:id="rId5"/>
     <p:sldId id="260" r:id="rId6"/>
-    <p:sldId id="261" r:id="rId7"/>
+    <p:sldId id="262" r:id="rId7"/>
+    <p:sldId id="261" r:id="rId8"/>
+    <p:sldId id="263" r:id="rId9"/>
   </p:sldIdLst>
   <p:sldSz cx="12192000" cy="6858000"/>
   <p:notesSz cx="6858000" cy="9144000"/>
@@ -109,6 +111,11 @@
       </a:defRPr>
     </a:lvl9pPr>
   </p:defaultTextStyle>
+  <p:extLst>
+    <p:ext uri="{EFAFB233-063F-42B5-8137-9DF3F51BA10A}">
+      <p15:sldGuideLst xmlns:p15="http://schemas.microsoft.com/office/powerpoint/2012/main"/>
+    </p:ext>
+  </p:extLst>
 </p:presentation>
 </file>
 
@@ -3062,13 +3069,13 @@
   <p:clrMapOvr>
     <a:masterClrMapping/>
   </p:clrMapOvr>
-  <mc:AlternateContent xmlns:mc="http://schemas.openxmlformats.org/markup-compatibility/2006">
-    <mc:Choice xmlns:p14="http://schemas.microsoft.com/office/powerpoint/2010/main" Requires="p14">
+  <mc:AlternateContent xmlns:mc="http://schemas.openxmlformats.org/markup-compatibility/2006" xmlns:p14="http://schemas.microsoft.com/office/powerpoint/2010/main">
+    <mc:Choice Requires="p14">
       <p:transition spd="slow" p14:dur="1500">
         <p:split orient="vert"/>
       </p:transition>
     </mc:Choice>
-    <mc:Fallback>
+    <mc:Fallback xmlns="">
       <p:transition spd="slow">
         <p:split orient="vert"/>
       </p:transition>
@@ -3417,6 +3424,73 @@
           <a:chExt cx="0" cy="0"/>
         </a:xfrm>
       </p:grpSpPr>
+      <p:pic>
+        <p:nvPicPr>
+          <p:cNvPr id="4" name="Espaço Reservado para Conteúdo 3"/>
+          <p:cNvPicPr>
+            <a:picLocks noGrp="1" noChangeAspect="1"/>
+          </p:cNvPicPr>
+          <p:nvPr>
+            <p:ph idx="1"/>
+          </p:nvPr>
+        </p:nvPicPr>
+        <p:blipFill>
+          <a:blip r:embed="rId2">
+            <a:extLst>
+              <a:ext uri="{28A0092B-C50C-407E-A947-70E740481C1C}">
+                <a14:useLocalDpi xmlns:a14="http://schemas.microsoft.com/office/drawing/2010/main" val="0"/>
+              </a:ext>
+            </a:extLst>
+          </a:blip>
+          <a:stretch>
+            <a:fillRect/>
+          </a:stretch>
+        </p:blipFill>
+        <p:spPr>
+          <a:xfrm>
+            <a:off x="406140" y="237995"/>
+            <a:ext cx="11251078" cy="6325643"/>
+          </a:xfrm>
+        </p:spPr>
+      </p:pic>
+    </p:spTree>
+    <p:extLst>
+      <p:ext uri="{BB962C8B-B14F-4D97-AF65-F5344CB8AC3E}">
+        <p14:creationId xmlns:p14="http://schemas.microsoft.com/office/powerpoint/2010/main" val="1304542171"/>
+      </p:ext>
+    </p:extLst>
+  </p:cSld>
+  <p:clrMapOvr>
+    <a:masterClrMapping/>
+  </p:clrMapOvr>
+</p:sld>
+</file>
+
+<file path=ppt/slides/slide7.xml><?xml version="1.0" encoding="utf-8"?>
+<p:sld xmlns:a="http://schemas.openxmlformats.org/drawingml/2006/main" xmlns:r="http://schemas.openxmlformats.org/officeDocument/2006/relationships" xmlns:p="http://schemas.openxmlformats.org/presentationml/2006/main">
+  <p:cSld>
+    <p:bg>
+      <p:bgPr>
+        <a:solidFill>
+          <a:schemeClr val="tx1"/>
+        </a:solidFill>
+        <a:effectLst/>
+      </p:bgPr>
+    </p:bg>
+    <p:spTree>
+      <p:nvGrpSpPr>
+        <p:cNvPr id="1" name=""/>
+        <p:cNvGrpSpPr/>
+        <p:nvPr/>
+      </p:nvGrpSpPr>
+      <p:grpSpPr>
+        <a:xfrm>
+          <a:off x="0" y="0"/>
+          <a:ext cx="0" cy="0"/>
+          <a:chOff x="0" y="0"/>
+          <a:chExt cx="0" cy="0"/>
+        </a:xfrm>
+      </p:grpSpPr>
       <p:sp>
         <p:nvSpPr>
           <p:cNvPr id="2" name="Título 1"/>
@@ -3505,7 +3579,23 @@
                   <a:schemeClr val="bg1"/>
                 </a:solidFill>
               </a:rPr>
-              <a:t>Gustavo Henrique</a:t>
+              <a:t>Gustavo </a:t>
+            </a:r>
+            <a:r>
+              <a:rPr lang="pt-BR" dirty="0" smtClean="0">
+                <a:solidFill>
+                  <a:schemeClr val="bg1"/>
+                </a:solidFill>
+              </a:rPr>
+              <a:t>Henrique</a:t>
+            </a:r>
+            <a:r>
+              <a:rPr lang="pt-BR" dirty="0" smtClean="0">
+                <a:solidFill>
+                  <a:schemeClr val="bg1"/>
+                </a:solidFill>
+              </a:rPr>
+              <a:t/>
             </a:r>
             <a:br>
               <a:rPr lang="pt-BR" dirty="0" smtClean="0">
@@ -3570,6 +3660,18 @@
   <p:clrMapOvr>
     <a:masterClrMapping/>
   </p:clrMapOvr>
+  <mc:AlternateContent xmlns:mc="http://schemas.openxmlformats.org/markup-compatibility/2006" xmlns:p14="http://schemas.microsoft.com/office/powerpoint/2010/main">
+    <mc:Choice Requires="p14">
+      <p:transition spd="slow" p14:dur="3400">
+        <p14:reveal/>
+      </p:transition>
+    </mc:Choice>
+    <mc:Fallback xmlns="">
+      <p:transition spd="slow">
+        <p:fade/>
+      </p:transition>
+    </mc:Fallback>
+  </mc:AlternateContent>
   <p:timing>
     <p:tnLst>
       <p:par>
@@ -3577,6 +3679,116 @@
       </p:par>
     </p:tnLst>
   </p:timing>
+</p:sld>
+</file>
+
+<file path=ppt/slides/slide8.xml><?xml version="1.0" encoding="utf-8"?>
+<p:sld xmlns:a="http://schemas.openxmlformats.org/drawingml/2006/main" xmlns:r="http://schemas.openxmlformats.org/officeDocument/2006/relationships" xmlns:p="http://schemas.openxmlformats.org/presentationml/2006/main">
+  <p:cSld>
+    <p:bg>
+      <p:bgPr>
+        <a:solidFill>
+          <a:schemeClr val="tx1"/>
+        </a:solidFill>
+        <a:effectLst/>
+      </p:bgPr>
+    </p:bg>
+    <p:spTree>
+      <p:nvGrpSpPr>
+        <p:cNvPr id="1" name=""/>
+        <p:cNvGrpSpPr/>
+        <p:nvPr/>
+      </p:nvGrpSpPr>
+      <p:grpSpPr>
+        <a:xfrm>
+          <a:off x="0" y="0"/>
+          <a:ext cx="0" cy="0"/>
+          <a:chOff x="0" y="0"/>
+          <a:chExt cx="0" cy="0"/>
+        </a:xfrm>
+      </p:grpSpPr>
+      <p:sp>
+        <p:nvSpPr>
+          <p:cNvPr id="3" name="Subtítulo 2"/>
+          <p:cNvSpPr>
+            <a:spLocks noGrp="1"/>
+          </p:cNvSpPr>
+          <p:nvPr>
+            <p:ph type="subTitle" idx="1"/>
+          </p:nvPr>
+        </p:nvSpPr>
+        <p:spPr>
+          <a:xfrm>
+            <a:off x="1237957" y="2982351"/>
+            <a:ext cx="9430043" cy="2275449"/>
+          </a:xfrm>
+        </p:spPr>
+        <p:txBody>
+          <a:bodyPr>
+            <a:normAutofit/>
+          </a:bodyPr>
+          <a:lstStyle/>
+          <a:p>
+            <a:r>
+              <a:rPr lang="pt-BR" sz="5400" dirty="0">
+                <a:solidFill>
+                  <a:schemeClr val="bg1"/>
+                </a:solidFill>
+                <a:latin typeface="Times New Roman" panose="02020603050405020304" pitchFamily="18" charset="0"/>
+                <a:cs typeface="Times New Roman" panose="02020603050405020304" pitchFamily="18" charset="0"/>
+              </a:rPr>
+              <a:t>Github.com/</a:t>
+            </a:r>
+            <a:r>
+              <a:rPr lang="pt-BR" sz="5400" dirty="0" err="1">
+                <a:solidFill>
+                  <a:schemeClr val="bg1"/>
+                </a:solidFill>
+                <a:latin typeface="Times New Roman" panose="02020603050405020304" pitchFamily="18" charset="0"/>
+                <a:cs typeface="Times New Roman" panose="02020603050405020304" pitchFamily="18" charset="0"/>
+              </a:rPr>
+              <a:t>raphaelbs</a:t>
+            </a:r>
+            <a:r>
+              <a:rPr lang="pt-BR" sz="5400" dirty="0">
+                <a:solidFill>
+                  <a:schemeClr val="bg1"/>
+                </a:solidFill>
+                <a:latin typeface="Times New Roman" panose="02020603050405020304" pitchFamily="18" charset="0"/>
+                <a:cs typeface="Times New Roman" panose="02020603050405020304" pitchFamily="18" charset="0"/>
+              </a:rPr>
+              <a:t>/</a:t>
+            </a:r>
+            <a:r>
+              <a:rPr lang="pt-BR" sz="5400" dirty="0" err="1">
+                <a:solidFill>
+                  <a:schemeClr val="bg1"/>
+                </a:solidFill>
+                <a:latin typeface="Times New Roman" panose="02020603050405020304" pitchFamily="18" charset="0"/>
+                <a:cs typeface="Times New Roman" panose="02020603050405020304" pitchFamily="18" charset="0"/>
+              </a:rPr>
+              <a:t>HomeR</a:t>
+            </a:r>
+            <a:endParaRPr lang="pt-BR" sz="5400" dirty="0">
+              <a:solidFill>
+                <a:schemeClr val="bg1"/>
+              </a:solidFill>
+              <a:latin typeface="Times New Roman" panose="02020603050405020304" pitchFamily="18" charset="0"/>
+              <a:cs typeface="Times New Roman" panose="02020603050405020304" pitchFamily="18" charset="0"/>
+            </a:endParaRPr>
+          </a:p>
+        </p:txBody>
+      </p:sp>
+    </p:spTree>
+    <p:extLst>
+      <p:ext uri="{BB962C8B-B14F-4D97-AF65-F5344CB8AC3E}">
+        <p14:creationId xmlns:p14="http://schemas.microsoft.com/office/powerpoint/2010/main" val="1478578483"/>
+      </p:ext>
+    </p:extLst>
+  </p:cSld>
+  <p:clrMapOvr>
+    <a:masterClrMapping/>
+  </p:clrMapOvr>
 </p:sld>
 </file>
 
